--- a/chapter08/图片/pic.pptx
+++ b/chapter08/图片/pic.pptx
@@ -291,7 +291,7 @@
           <a:p>
             <a:fld id="{530820CF-B880-4189-942D-D702A7CBA730}" type="datetimeFigureOut">
               <a:rPr lang="zh-CN" altLang="en-US" smtClean="0"/>
-              <a:t>2020/3/4</a:t>
+              <a:t>2020/6/17</a:t>
             </a:fld>
             <a:endParaRPr lang="zh-CN" altLang="en-US"/>
           </a:p>
@@ -456,7 +456,7 @@
           <a:p>
             <a:fld id="{530820CF-B880-4189-942D-D702A7CBA730}" type="datetimeFigureOut">
               <a:rPr lang="zh-CN" altLang="en-US" smtClean="0"/>
-              <a:t>2020/3/4</a:t>
+              <a:t>2020/6/17</a:t>
             </a:fld>
             <a:endParaRPr lang="zh-CN" altLang="en-US"/>
           </a:p>
@@ -631,7 +631,7 @@
           <a:p>
             <a:fld id="{530820CF-B880-4189-942D-D702A7CBA730}" type="datetimeFigureOut">
               <a:rPr lang="zh-CN" altLang="en-US" smtClean="0"/>
-              <a:t>2020/3/4</a:t>
+              <a:t>2020/6/17</a:t>
             </a:fld>
             <a:endParaRPr lang="zh-CN" altLang="en-US"/>
           </a:p>
@@ -796,7 +796,7 @@
           <a:p>
             <a:fld id="{530820CF-B880-4189-942D-D702A7CBA730}" type="datetimeFigureOut">
               <a:rPr lang="zh-CN" altLang="en-US" smtClean="0"/>
-              <a:t>2020/3/4</a:t>
+              <a:t>2020/6/17</a:t>
             </a:fld>
             <a:endParaRPr lang="zh-CN" altLang="en-US"/>
           </a:p>
@@ -1037,7 +1037,7 @@
           <a:p>
             <a:fld id="{530820CF-B880-4189-942D-D702A7CBA730}" type="datetimeFigureOut">
               <a:rPr lang="zh-CN" altLang="en-US" smtClean="0"/>
-              <a:t>2020/3/4</a:t>
+              <a:t>2020/6/17</a:t>
             </a:fld>
             <a:endParaRPr lang="zh-CN" altLang="en-US"/>
           </a:p>
@@ -1320,7 +1320,7 @@
           <a:p>
             <a:fld id="{530820CF-B880-4189-942D-D702A7CBA730}" type="datetimeFigureOut">
               <a:rPr lang="zh-CN" altLang="en-US" smtClean="0"/>
-              <a:t>2020/3/4</a:t>
+              <a:t>2020/6/17</a:t>
             </a:fld>
             <a:endParaRPr lang="zh-CN" altLang="en-US"/>
           </a:p>
@@ -1737,7 +1737,7 @@
           <a:p>
             <a:fld id="{530820CF-B880-4189-942D-D702A7CBA730}" type="datetimeFigureOut">
               <a:rPr lang="zh-CN" altLang="en-US" smtClean="0"/>
-              <a:t>2020/3/4</a:t>
+              <a:t>2020/6/17</a:t>
             </a:fld>
             <a:endParaRPr lang="zh-CN" altLang="en-US"/>
           </a:p>
@@ -1850,7 +1850,7 @@
           <a:p>
             <a:fld id="{530820CF-B880-4189-942D-D702A7CBA730}" type="datetimeFigureOut">
               <a:rPr lang="zh-CN" altLang="en-US" smtClean="0"/>
-              <a:t>2020/3/4</a:t>
+              <a:t>2020/6/17</a:t>
             </a:fld>
             <a:endParaRPr lang="zh-CN" altLang="en-US"/>
           </a:p>
@@ -1940,7 +1940,7 @@
           <a:p>
             <a:fld id="{530820CF-B880-4189-942D-D702A7CBA730}" type="datetimeFigureOut">
               <a:rPr lang="zh-CN" altLang="en-US" smtClean="0"/>
-              <a:t>2020/3/4</a:t>
+              <a:t>2020/6/17</a:t>
             </a:fld>
             <a:endParaRPr lang="zh-CN" altLang="en-US"/>
           </a:p>
@@ -2212,7 +2212,7 @@
           <a:p>
             <a:fld id="{530820CF-B880-4189-942D-D702A7CBA730}" type="datetimeFigureOut">
               <a:rPr lang="zh-CN" altLang="en-US" smtClean="0"/>
-              <a:t>2020/3/4</a:t>
+              <a:t>2020/6/17</a:t>
             </a:fld>
             <a:endParaRPr lang="zh-CN" altLang="en-US"/>
           </a:p>
@@ -2460,7 +2460,7 @@
           <a:p>
             <a:fld id="{530820CF-B880-4189-942D-D702A7CBA730}" type="datetimeFigureOut">
               <a:rPr lang="zh-CN" altLang="en-US" smtClean="0"/>
-              <a:t>2020/3/4</a:t>
+              <a:t>2020/6/17</a:t>
             </a:fld>
             <a:endParaRPr lang="zh-CN" altLang="en-US"/>
           </a:p>
@@ -2668,7 +2668,7 @@
           <a:p>
             <a:fld id="{530820CF-B880-4189-942D-D702A7CBA730}" type="datetimeFigureOut">
               <a:rPr lang="zh-CN" altLang="en-US" smtClean="0"/>
-              <a:t>2020/3/4</a:t>
+              <a:t>2020/6/17</a:t>
             </a:fld>
             <a:endParaRPr lang="zh-CN" altLang="en-US"/>
           </a:p>
@@ -3226,942 +3226,877 @@
           <a:chExt cx="0" cy="0"/>
         </a:xfrm>
       </p:grpSpPr>
+      <p:sp>
+        <p:nvSpPr>
+          <p:cNvPr id="5" name="椭圆 4"/>
+          <p:cNvSpPr/>
+          <p:nvPr/>
+        </p:nvSpPr>
+        <p:spPr>
+          <a:xfrm>
+            <a:off x="2770359" y="801127"/>
+            <a:ext cx="967391" cy="967391"/>
+          </a:xfrm>
+          <a:prstGeom prst="ellipse">
+            <a:avLst/>
+          </a:prstGeom>
+          <a:solidFill>
+            <a:schemeClr val="bg1"/>
+          </a:solidFill>
+          <a:ln>
+            <a:solidFill>
+              <a:schemeClr val="accent1"/>
+            </a:solidFill>
+          </a:ln>
+        </p:spPr>
+        <p:style>
+          <a:lnRef idx="2">
+            <a:schemeClr val="accent1">
+              <a:shade val="50000"/>
+            </a:schemeClr>
+          </a:lnRef>
+          <a:fillRef idx="1">
+            <a:schemeClr val="accent1"/>
+          </a:fillRef>
+          <a:effectRef idx="0">
+            <a:schemeClr val="accent1"/>
+          </a:effectRef>
+          <a:fontRef idx="minor">
+            <a:schemeClr val="lt1"/>
+          </a:fontRef>
+        </p:style>
+        <p:txBody>
+          <a:bodyPr rtlCol="0" anchor="ctr"/>
+          <a:lstStyle/>
+          <a:p>
+            <a:pPr algn="ctr"/>
+            <a:endParaRPr lang="zh-CN" altLang="en-US"/>
+          </a:p>
+        </p:txBody>
+      </p:sp>
       <p:grpSp>
         <p:nvGrpSpPr>
-          <p:cNvPr id="26" name="组合 25"/>
+          <p:cNvPr id="13" name="组合 12"/>
           <p:cNvGrpSpPr/>
           <p:nvPr/>
         </p:nvGrpSpPr>
         <p:grpSpPr>
           <a:xfrm>
-            <a:off x="2770359" y="801127"/>
-            <a:ext cx="1128623" cy="994463"/>
-            <a:chOff x="1475656" y="1309481"/>
-            <a:chExt cx="1128623" cy="994463"/>
+            <a:off x="2770359" y="861737"/>
+            <a:ext cx="1128623" cy="933853"/>
+            <a:chOff x="1475656" y="1052736"/>
+            <a:chExt cx="1512168" cy="1251208"/>
           </a:xfrm>
         </p:grpSpPr>
         <p:sp>
           <p:nvSpPr>
-            <p:cNvPr id="5" name="椭圆 4"/>
-            <p:cNvSpPr/>
+            <p:cNvPr id="10" name="TextBox 9"/>
+            <p:cNvSpPr txBox="1"/>
             <p:nvPr/>
           </p:nvSpPr>
           <p:spPr>
             <a:xfrm>
-              <a:off x="1475656" y="1309481"/>
-              <a:ext cx="967391" cy="967391"/>
+              <a:off x="1475656" y="1052736"/>
+              <a:ext cx="1512168" cy="536081"/>
             </a:xfrm>
-            <a:prstGeom prst="ellipse">
+            <a:prstGeom prst="rect">
               <a:avLst/>
             </a:prstGeom>
-            <a:solidFill>
-              <a:schemeClr val="bg1"/>
-            </a:solidFill>
-            <a:ln>
-              <a:noFill/>
-            </a:ln>
+            <a:noFill/>
           </p:spPr>
-          <p:style>
-            <a:lnRef idx="2">
-              <a:schemeClr val="accent1">
-                <a:shade val="50000"/>
-              </a:schemeClr>
-            </a:lnRef>
-            <a:fillRef idx="1">
-              <a:schemeClr val="accent1"/>
-            </a:fillRef>
-            <a:effectRef idx="0">
-              <a:schemeClr val="accent1"/>
-            </a:effectRef>
-            <a:fontRef idx="minor">
-              <a:schemeClr val="lt1"/>
-            </a:fontRef>
-          </p:style>
           <p:txBody>
-            <a:bodyPr rtlCol="0" anchor="ctr"/>
+            <a:bodyPr wrap="square" rtlCol="0">
+              <a:spAutoFit/>
+            </a:bodyPr>
             <a:lstStyle/>
             <a:p>
-              <a:pPr algn="ctr"/>
-              <a:endParaRPr lang="zh-CN" altLang="en-US"/>
+              <a:r>
+                <a:rPr lang="zh-CN" altLang="en-US" sz="2000" dirty="0" smtClean="0"/>
+                <a:t>难度</a:t>
+              </a:r>
+              <a:endParaRPr lang="zh-CN" altLang="en-US" sz="2000" dirty="0"/>
             </a:p>
           </p:txBody>
         </p:sp>
-        <p:grpSp>
-          <p:nvGrpSpPr>
-            <p:cNvPr id="13" name="组合 12"/>
-            <p:cNvGrpSpPr/>
-            <p:nvPr/>
-          </p:nvGrpSpPr>
-          <p:grpSpPr>
-            <a:xfrm>
-              <a:off x="1475656" y="1370091"/>
-              <a:ext cx="1128623" cy="933853"/>
-              <a:chOff x="1475656" y="1052736"/>
-              <a:chExt cx="1512168" cy="1251208"/>
-            </a:xfrm>
-          </p:grpSpPr>
-          <p:sp>
-            <p:nvSpPr>
-              <p:cNvPr id="10" name="TextBox 9"/>
-              <p:cNvSpPr txBox="1"/>
-              <p:nvPr/>
-            </p:nvSpPr>
-            <p:spPr>
-              <a:xfrm>
-                <a:off x="1475656" y="1052736"/>
-                <a:ext cx="1512168" cy="536081"/>
-              </a:xfrm>
-              <a:prstGeom prst="rect">
-                <a:avLst/>
-              </a:prstGeom>
-              <a:noFill/>
-            </p:spPr>
-            <p:txBody>
-              <a:bodyPr wrap="square" rtlCol="0">
-                <a:spAutoFit/>
-              </a:bodyPr>
-              <a:lstStyle/>
-              <a:p>
-                <a:r>
-                  <a:rPr lang="zh-CN" altLang="en-US" sz="2000" dirty="0" smtClean="0"/>
-                  <a:t>难度</a:t>
-                </a:r>
-                <a:endParaRPr lang="zh-CN" altLang="en-US" sz="2000" dirty="0"/>
-              </a:p>
-            </p:txBody>
-          </p:sp>
-          <p:graphicFrame>
-            <p:nvGraphicFramePr>
-              <p:cNvPr id="11" name="对象 10"/>
-              <p:cNvGraphicFramePr>
-                <a:graphicFrameLocks noChangeAspect="1"/>
-              </p:cNvGraphicFramePr>
-              <p:nvPr>
-                <p:extLst>
-                  <p:ext uri="{D42A27DB-BD31-4B8C-83A1-F6EECF244321}">
-                    <p14:modId xmlns:p14="http://schemas.microsoft.com/office/powerpoint/2010/main" val="3078706058"/>
-                  </p:ext>
-                </p:extLst>
-              </p:nvPr>
-            </p:nvGraphicFramePr>
-            <p:xfrm>
-              <a:off x="1790105" y="1380065"/>
-              <a:ext cx="667246" cy="923879"/>
-            </p:xfrm>
-            <a:graphic>
-              <a:graphicData uri="http://schemas.openxmlformats.org/presentationml/2006/ole">
-                <mc:AlternateContent xmlns:mc="http://schemas.openxmlformats.org/markup-compatibility/2006">
-                  <mc:Choice xmlns:v="urn:schemas-microsoft-com:vml" Requires="v">
-                    <p:oleObj spid="_x0000_s1131" name="Equation" r:id="rId3" imgW="164880" imgH="228600" progId="Equation.DSMT4">
-                      <p:embed/>
-                    </p:oleObj>
-                  </mc:Choice>
-                  <mc:Fallback>
-                    <p:oleObj name="Equation" r:id="rId3" imgW="164880" imgH="228600" progId="Equation.DSMT4">
-                      <p:embed/>
-                      <p:pic>
-                        <p:nvPicPr>
-                          <p:cNvPr id="0" name=""/>
-                          <p:cNvPicPr/>
-                          <p:nvPr/>
-                        </p:nvPicPr>
-                        <p:blipFill>
-                          <a:blip r:embed="rId4"/>
-                          <a:stretch>
-                            <a:fillRect/>
-                          </a:stretch>
-                        </p:blipFill>
-                        <p:spPr>
-                          <a:xfrm>
-                            <a:off x="1790105" y="1380065"/>
-                            <a:ext cx="667246" cy="923879"/>
-                          </a:xfrm>
-                          <a:prstGeom prst="rect">
-                            <a:avLst/>
-                          </a:prstGeom>
-                        </p:spPr>
-                      </p:pic>
-                    </p:oleObj>
-                  </mc:Fallback>
-                </mc:AlternateContent>
-              </a:graphicData>
-            </a:graphic>
-          </p:graphicFrame>
-        </p:grpSp>
+        <p:graphicFrame>
+          <p:nvGraphicFramePr>
+            <p:cNvPr id="11" name="对象 10"/>
+            <p:cNvGraphicFramePr>
+              <a:graphicFrameLocks noChangeAspect="1"/>
+            </p:cNvGraphicFramePr>
+            <p:nvPr>
+              <p:extLst>
+                <p:ext uri="{D42A27DB-BD31-4B8C-83A1-F6EECF244321}">
+                  <p14:modId xmlns:p14="http://schemas.microsoft.com/office/powerpoint/2010/main" val="3078706058"/>
+                </p:ext>
+              </p:extLst>
+            </p:nvPr>
+          </p:nvGraphicFramePr>
+          <p:xfrm>
+            <a:off x="1790105" y="1380065"/>
+            <a:ext cx="667246" cy="923879"/>
+          </p:xfrm>
+          <a:graphic>
+            <a:graphicData uri="http://schemas.openxmlformats.org/presentationml/2006/ole">
+              <mc:AlternateContent xmlns:mc="http://schemas.openxmlformats.org/markup-compatibility/2006">
+                <mc:Choice xmlns:v="urn:schemas-microsoft-com:vml" Requires="v">
+                  <p:oleObj spid="_x0000_s1139" name="Equation" r:id="rId3" imgW="164880" imgH="228600" progId="Equation.DSMT4">
+                    <p:embed/>
+                  </p:oleObj>
+                </mc:Choice>
+                <mc:Fallback>
+                  <p:oleObj name="Equation" r:id="rId3" imgW="164880" imgH="228600" progId="Equation.DSMT4">
+                    <p:embed/>
+                    <p:pic>
+                      <p:nvPicPr>
+                        <p:cNvPr id="0" name=""/>
+                        <p:cNvPicPr/>
+                        <p:nvPr/>
+                      </p:nvPicPr>
+                      <p:blipFill>
+                        <a:blip r:embed="rId4"/>
+                        <a:stretch>
+                          <a:fillRect/>
+                        </a:stretch>
+                      </p:blipFill>
+                      <p:spPr>
+                        <a:xfrm>
+                          <a:off x="1790105" y="1380065"/>
+                          <a:ext cx="667246" cy="923879"/>
+                        </a:xfrm>
+                        <a:prstGeom prst="rect">
+                          <a:avLst/>
+                        </a:prstGeom>
+                      </p:spPr>
+                    </p:pic>
+                  </p:oleObj>
+                </mc:Fallback>
+              </mc:AlternateContent>
+            </a:graphicData>
+          </a:graphic>
+        </p:graphicFrame>
       </p:grpSp>
+      <p:sp>
+        <p:nvSpPr>
+          <p:cNvPr id="6" name="椭圆 5"/>
+          <p:cNvSpPr/>
+          <p:nvPr/>
+        </p:nvSpPr>
+        <p:spPr>
+          <a:xfrm>
+            <a:off x="4678011" y="713571"/>
+            <a:ext cx="967391" cy="967391"/>
+          </a:xfrm>
+          <a:prstGeom prst="ellipse">
+            <a:avLst/>
+          </a:prstGeom>
+          <a:solidFill>
+            <a:schemeClr val="bg1"/>
+          </a:solidFill>
+          <a:ln>
+            <a:solidFill>
+              <a:schemeClr val="accent1"/>
+            </a:solidFill>
+          </a:ln>
+        </p:spPr>
+        <p:style>
+          <a:lnRef idx="2">
+            <a:schemeClr val="accent1">
+              <a:shade val="50000"/>
+            </a:schemeClr>
+          </a:lnRef>
+          <a:fillRef idx="1">
+            <a:schemeClr val="accent1"/>
+          </a:fillRef>
+          <a:effectRef idx="0">
+            <a:schemeClr val="accent1"/>
+          </a:effectRef>
+          <a:fontRef idx="minor">
+            <a:schemeClr val="lt1"/>
+          </a:fontRef>
+        </p:style>
+        <p:txBody>
+          <a:bodyPr rtlCol="0" anchor="ctr"/>
+          <a:lstStyle/>
+          <a:p>
+            <a:pPr algn="ctr"/>
+            <a:endParaRPr lang="zh-CN" altLang="en-US"/>
+          </a:p>
+        </p:txBody>
+      </p:sp>
       <p:grpSp>
         <p:nvGrpSpPr>
-          <p:cNvPr id="27" name="组合 26"/>
+          <p:cNvPr id="14" name="组合 13"/>
           <p:cNvGrpSpPr/>
           <p:nvPr/>
         </p:nvGrpSpPr>
         <p:grpSpPr>
           <a:xfrm>
             <a:off x="4668511" y="702196"/>
-            <a:ext cx="1128623" cy="978766"/>
-            <a:chOff x="4382044" y="1298106"/>
-            <a:chExt cx="1128623" cy="978766"/>
+            <a:ext cx="1128623" cy="933918"/>
+            <a:chOff x="1475656" y="1052736"/>
+            <a:chExt cx="1512168" cy="1251297"/>
           </a:xfrm>
         </p:grpSpPr>
-        <p:sp>
-          <p:nvSpPr>
-            <p:cNvPr id="6" name="椭圆 5"/>
-            <p:cNvSpPr/>
-            <p:nvPr/>
-          </p:nvSpPr>
-          <p:spPr>
-            <a:xfrm>
-              <a:off x="4391544" y="1309481"/>
-              <a:ext cx="967391" cy="967391"/>
-            </a:xfrm>
-            <a:prstGeom prst="ellipse">
-              <a:avLst/>
-            </a:prstGeom>
+        <mc:AlternateContent xmlns:mc="http://schemas.openxmlformats.org/markup-compatibility/2006" xmlns:a14="http://schemas.microsoft.com/office/drawing/2010/main">
+          <mc:Choice Requires="a14">
+            <p:sp>
+              <p:nvSpPr>
+                <p:cNvPr id="15" name="TextBox 14"/>
+                <p:cNvSpPr txBox="1"/>
+                <p:nvPr/>
+              </p:nvSpPr>
+              <p:spPr>
+                <a:xfrm>
+                  <a:off x="1475656" y="1052736"/>
+                  <a:ext cx="1512168" cy="618555"/>
+                </a:xfrm>
+                <a:prstGeom prst="rect">
+                  <a:avLst/>
+                </a:prstGeom>
+                <a:noFill/>
+              </p:spPr>
+              <p:txBody>
+                <a:bodyPr wrap="square" rtlCol="0">
+                  <a:spAutoFit/>
+                </a:bodyPr>
+                <a:lstStyle/>
+                <a:p>
+                  <a:pPr/>
+                  <a14:m>
+                    <m:oMathPara xmlns:m="http://schemas.openxmlformats.org/officeDocument/2006/math">
+                      <m:oMathParaPr>
+                        <m:jc m:val="left"/>
+                      </m:oMathParaPr>
+                      <m:oMath xmlns:m="http://schemas.openxmlformats.org/officeDocument/2006/math">
+                        <m:r>
+                          <a:rPr lang="en-US" altLang="zh-CN" sz="2400" b="0" i="1" smtClean="0">
+                            <a:latin typeface="Cambria Math"/>
+                          </a:rPr>
+                          <m:t>𝐼𝑄</m:t>
+                        </m:r>
+                        <m:r>
+                          <a:rPr lang="en-US" altLang="zh-CN" sz="2400" b="0" i="1" smtClean="0">
+                            <a:latin typeface="Cambria Math"/>
+                          </a:rPr>
+                          <m:t>:</m:t>
+                        </m:r>
+                      </m:oMath>
+                    </m:oMathPara>
+                  </a14:m>
+                  <a:endParaRPr lang="zh-CN" altLang="en-US" sz="2400" dirty="0"/>
+                </a:p>
+              </p:txBody>
+            </p:sp>
+          </mc:Choice>
+          <mc:Fallback xmlns="">
+            <p:sp>
+              <p:nvSpPr>
+                <p:cNvPr id="15" name="TextBox 14"/>
+                <p:cNvSpPr txBox="1">
+                  <a:spLocks noRot="1" noChangeAspect="1" noMove="1" noResize="1" noEditPoints="1" noAdjustHandles="1" noChangeArrowheads="1" noChangeShapeType="1" noTextEdit="1"/>
+                </p:cNvSpPr>
+                <p:nvPr/>
+              </p:nvSpPr>
+              <p:spPr>
+                <a:xfrm>
+                  <a:off x="1475656" y="1052736"/>
+                  <a:ext cx="1512168" cy="618555"/>
+                </a:xfrm>
+                <a:prstGeom prst="rect">
+                  <a:avLst/>
+                </a:prstGeom>
+                <a:blipFill rotWithShape="1">
+                  <a:blip r:embed="rId5"/>
+                  <a:stretch>
+                    <a:fillRect l="-3784" b="-11842"/>
+                  </a:stretch>
+                </a:blipFill>
+              </p:spPr>
+              <p:txBody>
+                <a:bodyPr/>
+                <a:lstStyle/>
+                <a:p>
+                  <a:r>
+                    <a:rPr lang="zh-CN" altLang="en-US">
+                      <a:noFill/>
+                    </a:rPr>
+                    <a:t> </a:t>
+                  </a:r>
+                </a:p>
+              </p:txBody>
+            </p:sp>
+          </mc:Fallback>
+        </mc:AlternateContent>
+        <mc:AlternateContent xmlns:mc="http://schemas.openxmlformats.org/markup-compatibility/2006" xmlns:a14="http://schemas.microsoft.com/office/drawing/2010/main">
+          <mc:Choice Requires="a14">
+            <p:graphicFrame>
+              <p:nvGraphicFramePr>
+                <p:cNvPr id="16" name="对象 15"/>
+                <p:cNvGraphicFramePr>
+                  <a:graphicFrameLocks noChangeAspect="1"/>
+                </p:cNvGraphicFramePr>
+                <p:nvPr>
+                  <p:extLst>
+                    <p:ext uri="{D42A27DB-BD31-4B8C-83A1-F6EECF244321}">
+                      <p14:modId xmlns:p14="http://schemas.microsoft.com/office/powerpoint/2010/main" val="1980465137"/>
+                    </p:ext>
+                  </p:extLst>
+                </p:nvPr>
+              </p:nvGraphicFramePr>
+              <p:xfrm>
+                <a:off x="1814836" y="1380109"/>
+                <a:ext cx="617538" cy="923924"/>
+              </p:xfrm>
+              <a:graphic>
+                <a:graphicData uri="http://schemas.openxmlformats.org/presentationml/2006/ole">
+                  <mc:AlternateContent>
+                    <mc:Choice xmlns:v="urn:schemas-microsoft-com:vml" Requires="v">
+                      <p:oleObj spid="_x0000_s1140" name="Equation" r:id="rId6" imgW="152280" imgH="228600" progId="Equation.DSMT4">
+                        <p:embed/>
+                      </p:oleObj>
+                    </mc:Choice>
+                    <mc:Fallback>
+                      <p:oleObj name="Equation" r:id="rId6" imgW="152280" imgH="228600" progId="Equation.DSMT4">
+                        <p:embed/>
+                        <p:pic>
+                          <p:nvPicPr>
+                            <p:cNvPr id="0" name=""/>
+                            <p:cNvPicPr/>
+                            <p:nvPr/>
+                          </p:nvPicPr>
+                          <p:blipFill>
+                            <a:blip r:embed="rId7"/>
+                            <a:stretch>
+                              <a:fillRect/>
+                            </a:stretch>
+                          </p:blipFill>
+                          <p:spPr>
+                            <a:xfrm>
+                              <a:off x="1814836" y="1380109"/>
+                              <a:ext cx="617538" cy="923924"/>
+                            </a:xfrm>
+                            <a:prstGeom prst="rect">
+                              <a:avLst/>
+                            </a:prstGeom>
+                          </p:spPr>
+                        </p:pic>
+                      </p:oleObj>
+                    </mc:Fallback>
+                  </mc:AlternateContent>
+                </a:graphicData>
+              </a:graphic>
+            </p:graphicFrame>
+          </mc:Choice>
+          <mc:Fallback xmlns="">
+            <p:graphicFrame>
+              <p:nvGraphicFramePr>
+                <p:cNvPr id="16" name="对象 15"/>
+                <p:cNvGraphicFramePr>
+                  <a:graphicFrameLocks noChangeAspect="1"/>
+                </p:cNvGraphicFramePr>
+                <p:nvPr>
+                  <p:extLst>
+                    <p:ext uri="{D42A27DB-BD31-4B8C-83A1-F6EECF244321}">
+                      <p14:modId xmlns:p14="http://schemas.microsoft.com/office/powerpoint/2010/main" val="1980465137"/>
+                    </p:ext>
+                  </p:extLst>
+                </p:nvPr>
+              </p:nvGraphicFramePr>
+              <p:xfrm>
+                <a:off x="1814836" y="1380109"/>
+                <a:ext cx="617538" cy="923924"/>
+              </p:xfrm>
+              <a:graphic>
+                <a:graphicData uri="http://schemas.openxmlformats.org/presentationml/2006/ole">
+                  <mc:AlternateContent>
+                    <mc:Choice xmlns:v="urn:schemas-microsoft-com:vml" Requires="v">
+                      <p:oleObj spid="_x0000_s1116" name="Equation" r:id="rId8" imgW="152280" imgH="228600" progId="Equation.DSMT4">
+                        <p:embed/>
+                      </p:oleObj>
+                    </mc:Choice>
+                    <mc:Fallback>
+                      <p:oleObj name="Equation" r:id="rId8" imgW="152280" imgH="228600" progId="Equation.DSMT4">
+                        <p:embed/>
+                        <p:pic>
+                          <p:nvPicPr>
+                            <p:cNvPr id="0" name=""/>
+                            <p:cNvPicPr/>
+                            <p:nvPr/>
+                          </p:nvPicPr>
+                          <p:blipFill>
+                            <a:blip r:embed="rId9"/>
+                            <a:stretch>
+                              <a:fillRect/>
+                            </a:stretch>
+                          </p:blipFill>
+                          <p:spPr>
+                            <a:xfrm>
+                              <a:off x="1814836" y="1380109"/>
+                              <a:ext cx="617538" cy="923924"/>
+                            </a:xfrm>
+                            <a:prstGeom prst="rect">
+                              <a:avLst/>
+                            </a:prstGeom>
+                          </p:spPr>
+                        </p:pic>
+                      </p:oleObj>
+                    </mc:Fallback>
+                  </mc:AlternateContent>
+                </a:graphicData>
+              </a:graphic>
+            </p:graphicFrame>
+          </mc:Fallback>
+        </mc:AlternateContent>
+      </p:grpSp>
+      <p:sp>
+        <p:nvSpPr>
+          <p:cNvPr id="8" name="椭圆 7"/>
+          <p:cNvSpPr/>
+          <p:nvPr/>
+        </p:nvSpPr>
+        <p:spPr>
+          <a:xfrm>
+            <a:off x="5695608" y="2445488"/>
+            <a:ext cx="967391" cy="967391"/>
+          </a:xfrm>
+          <a:prstGeom prst="ellipse">
+            <a:avLst/>
+          </a:prstGeom>
+          <a:solidFill>
+            <a:schemeClr val="bg1"/>
+          </a:solidFill>
+          <a:ln>
             <a:solidFill>
-              <a:schemeClr val="bg1"/>
+              <a:schemeClr val="accent1"/>
             </a:solidFill>
-            <a:ln>
-              <a:noFill/>
-            </a:ln>
-          </p:spPr>
-          <p:style>
-            <a:lnRef idx="2">
-              <a:schemeClr val="accent1">
-                <a:shade val="50000"/>
-              </a:schemeClr>
-            </a:lnRef>
-            <a:fillRef idx="1">
-              <a:schemeClr val="accent1"/>
-            </a:fillRef>
-            <a:effectRef idx="0">
-              <a:schemeClr val="accent1"/>
-            </a:effectRef>
-            <a:fontRef idx="minor">
-              <a:schemeClr val="lt1"/>
-            </a:fontRef>
-          </p:style>
-          <p:txBody>
-            <a:bodyPr rtlCol="0" anchor="ctr"/>
-            <a:lstStyle/>
-            <a:p>
-              <a:pPr algn="ctr"/>
-              <a:endParaRPr lang="zh-CN" altLang="en-US"/>
-            </a:p>
-          </p:txBody>
-        </p:sp>
-        <p:grpSp>
-          <p:nvGrpSpPr>
-            <p:cNvPr id="14" name="组合 13"/>
-            <p:cNvGrpSpPr/>
-            <p:nvPr/>
-          </p:nvGrpSpPr>
-          <p:grpSpPr>
-            <a:xfrm>
-              <a:off x="4382044" y="1298106"/>
-              <a:ext cx="1128623" cy="933918"/>
-              <a:chOff x="1475656" y="1052736"/>
-              <a:chExt cx="1512168" cy="1251297"/>
-            </a:xfrm>
-          </p:grpSpPr>
-          <mc:AlternateContent xmlns:mc="http://schemas.openxmlformats.org/markup-compatibility/2006" xmlns:a14="http://schemas.microsoft.com/office/drawing/2010/main">
-            <mc:Choice Requires="a14">
-              <p:sp>
-                <p:nvSpPr>
-                  <p:cNvPr id="15" name="TextBox 14"/>
-                  <p:cNvSpPr txBox="1"/>
-                  <p:nvPr/>
-                </p:nvSpPr>
-                <p:spPr>
-                  <a:xfrm>
-                    <a:off x="1475656" y="1052736"/>
-                    <a:ext cx="1512168" cy="618555"/>
-                  </a:xfrm>
-                  <a:prstGeom prst="rect">
-                    <a:avLst/>
-                  </a:prstGeom>
-                  <a:noFill/>
-                </p:spPr>
-                <p:txBody>
-                  <a:bodyPr wrap="square" rtlCol="0">
-                    <a:spAutoFit/>
-                  </a:bodyPr>
-                  <a:lstStyle/>
-                  <a:p>
-                    <a:pPr/>
-                    <a14:m>
-                      <m:oMathPara xmlns:m="http://schemas.openxmlformats.org/officeDocument/2006/math">
-                        <m:oMathParaPr>
-                          <m:jc m:val="left"/>
-                        </m:oMathParaPr>
-                        <m:oMath xmlns:m="http://schemas.openxmlformats.org/officeDocument/2006/math">
-                          <m:r>
-                            <a:rPr lang="en-US" altLang="zh-CN" sz="2400" b="0" i="1" smtClean="0">
-                              <a:latin typeface="Cambria Math"/>
-                            </a:rPr>
-                            <m:t>𝐼𝑄</m:t>
-                          </m:r>
-                          <m:r>
-                            <a:rPr lang="en-US" altLang="zh-CN" sz="2400" b="0" i="1" smtClean="0">
-                              <a:latin typeface="Cambria Math"/>
-                            </a:rPr>
-                            <m:t>:</m:t>
-                          </m:r>
-                        </m:oMath>
-                      </m:oMathPara>
-                    </a14:m>
-                    <a:endParaRPr lang="zh-CN" altLang="en-US" sz="2400" dirty="0"/>
-                  </a:p>
-                </p:txBody>
-              </p:sp>
-            </mc:Choice>
-            <mc:Fallback xmlns="">
-              <p:sp>
-                <p:nvSpPr>
-                  <p:cNvPr id="15" name="TextBox 14"/>
-                  <p:cNvSpPr txBox="1">
-                    <a:spLocks noRot="1" noChangeAspect="1" noMove="1" noResize="1" noEditPoints="1" noAdjustHandles="1" noChangeArrowheads="1" noChangeShapeType="1" noTextEdit="1"/>
-                  </p:cNvSpPr>
-                  <p:nvPr/>
-                </p:nvSpPr>
-                <p:spPr>
-                  <a:xfrm>
-                    <a:off x="1475656" y="1052736"/>
-                    <a:ext cx="1512168" cy="618555"/>
-                  </a:xfrm>
-                  <a:prstGeom prst="rect">
-                    <a:avLst/>
-                  </a:prstGeom>
-                  <a:blipFill rotWithShape="1">
-                    <a:blip r:embed="rId5"/>
-                    <a:stretch>
-                      <a:fillRect l="-3784" b="-11842"/>
-                    </a:stretch>
-                  </a:blipFill>
-                </p:spPr>
-                <p:txBody>
-                  <a:bodyPr/>
-                  <a:lstStyle/>
-                  <a:p>
-                    <a:r>
-                      <a:rPr lang="zh-CN" altLang="en-US">
-                        <a:noFill/>
-                      </a:rPr>
-                      <a:t> </a:t>
-                    </a:r>
-                  </a:p>
-                </p:txBody>
-              </p:sp>
-            </mc:Fallback>
-          </mc:AlternateContent>
-          <mc:AlternateContent xmlns:mc="http://schemas.openxmlformats.org/markup-compatibility/2006" xmlns:a14="http://schemas.microsoft.com/office/drawing/2010/main">
-            <mc:Choice Requires="a14">
-              <p:graphicFrame>
-                <p:nvGraphicFramePr>
-                  <p:cNvPr id="16" name="对象 15"/>
-                  <p:cNvGraphicFramePr>
-                    <a:graphicFrameLocks noChangeAspect="1"/>
-                  </p:cNvGraphicFramePr>
-                  <p:nvPr>
-                    <p:extLst>
-                      <p:ext uri="{D42A27DB-BD31-4B8C-83A1-F6EECF244321}">
-                        <p14:modId xmlns:p14="http://schemas.microsoft.com/office/powerpoint/2010/main" val="1980465137"/>
-                      </p:ext>
-                    </p:extLst>
-                  </p:nvPr>
-                </p:nvGraphicFramePr>
-                <p:xfrm>
-                  <a:off x="1814836" y="1380109"/>
-                  <a:ext cx="617538" cy="923924"/>
-                </p:xfrm>
-                <a:graphic>
-                  <a:graphicData uri="http://schemas.openxmlformats.org/presentationml/2006/ole">
-                    <mc:AlternateContent>
-                      <mc:Choice xmlns:v="urn:schemas-microsoft-com:vml" Requires="v">
-                        <p:oleObj spid="_x0000_s1132" name="Equation" r:id="rId6" imgW="152280" imgH="228600" progId="Equation.DSMT4">
-                          <p:embed/>
-                        </p:oleObj>
-                      </mc:Choice>
-                      <mc:Fallback>
-                        <p:oleObj name="Equation" r:id="rId6" imgW="152280" imgH="228600" progId="Equation.DSMT4">
-                          <p:embed/>
-                          <p:pic>
-                            <p:nvPicPr>
-                              <p:cNvPr id="0" name=""/>
-                              <p:cNvPicPr/>
-                              <p:nvPr/>
-                            </p:nvPicPr>
-                            <p:blipFill>
-                              <a:blip r:embed="rId7"/>
-                              <a:stretch>
-                                <a:fillRect/>
-                              </a:stretch>
-                            </p:blipFill>
-                            <p:spPr>
-                              <a:xfrm>
-                                <a:off x="1814836" y="1380109"/>
-                                <a:ext cx="617538" cy="923924"/>
-                              </a:xfrm>
-                              <a:prstGeom prst="rect">
-                                <a:avLst/>
-                              </a:prstGeom>
-                            </p:spPr>
-                          </p:pic>
-                        </p:oleObj>
-                      </mc:Fallback>
-                    </mc:AlternateContent>
-                  </a:graphicData>
-                </a:graphic>
-              </p:graphicFrame>
-            </mc:Choice>
-            <mc:Fallback xmlns="">
-              <p:graphicFrame>
-                <p:nvGraphicFramePr>
-                  <p:cNvPr id="16" name="对象 15"/>
-                  <p:cNvGraphicFramePr>
-                    <a:graphicFrameLocks noChangeAspect="1"/>
-                  </p:cNvGraphicFramePr>
-                  <p:nvPr>
-                    <p:extLst>
-                      <p:ext uri="{D42A27DB-BD31-4B8C-83A1-F6EECF244321}">
-                        <p14:modId xmlns:p14="http://schemas.microsoft.com/office/powerpoint/2010/main" val="1980465137"/>
-                      </p:ext>
-                    </p:extLst>
-                  </p:nvPr>
-                </p:nvGraphicFramePr>
-                <p:xfrm>
-                  <a:off x="1814836" y="1380109"/>
-                  <a:ext cx="617538" cy="923924"/>
-                </p:xfrm>
-                <a:graphic>
-                  <a:graphicData uri="http://schemas.openxmlformats.org/presentationml/2006/ole">
-                    <mc:AlternateContent>
-                      <mc:Choice xmlns:v="urn:schemas-microsoft-com:vml" Requires="v">
-                        <p:oleObj spid="_x0000_s1116" name="Equation" r:id="rId8" imgW="152280" imgH="228600" progId="Equation.DSMT4">
-                          <p:embed/>
-                        </p:oleObj>
-                      </mc:Choice>
-                      <mc:Fallback>
-                        <p:oleObj name="Equation" r:id="rId8" imgW="152280" imgH="228600" progId="Equation.DSMT4">
-                          <p:embed/>
-                          <p:pic>
-                            <p:nvPicPr>
-                              <p:cNvPr id="0" name=""/>
-                              <p:cNvPicPr/>
-                              <p:nvPr/>
-                            </p:nvPicPr>
-                            <p:blipFill>
-                              <a:blip r:embed="rId9"/>
-                              <a:stretch>
-                                <a:fillRect/>
-                              </a:stretch>
-                            </p:blipFill>
-                            <p:spPr>
-                              <a:xfrm>
-                                <a:off x="1814836" y="1380109"/>
-                                <a:ext cx="617538" cy="923924"/>
-                              </a:xfrm>
-                              <a:prstGeom prst="rect">
-                                <a:avLst/>
-                              </a:prstGeom>
-                            </p:spPr>
-                          </p:pic>
-                        </p:oleObj>
-                      </mc:Fallback>
-                    </mc:AlternateContent>
-                  </a:graphicData>
-                </a:graphic>
-              </p:graphicFrame>
-            </mc:Fallback>
-          </mc:AlternateContent>
-        </p:grpSp>
-      </p:grpSp>
+          </a:ln>
+        </p:spPr>
+        <p:style>
+          <a:lnRef idx="2">
+            <a:schemeClr val="accent1">
+              <a:shade val="50000"/>
+            </a:schemeClr>
+          </a:lnRef>
+          <a:fillRef idx="1">
+            <a:schemeClr val="accent1"/>
+          </a:fillRef>
+          <a:effectRef idx="0">
+            <a:schemeClr val="accent1"/>
+          </a:effectRef>
+          <a:fontRef idx="minor">
+            <a:schemeClr val="lt1"/>
+          </a:fontRef>
+        </p:style>
+        <p:txBody>
+          <a:bodyPr rtlCol="0" anchor="ctr"/>
+          <a:lstStyle/>
+          <a:p>
+            <a:pPr algn="ctr"/>
+            <a:endParaRPr lang="zh-CN" altLang="en-US"/>
+          </a:p>
+        </p:txBody>
+      </p:sp>
       <p:grpSp>
         <p:nvGrpSpPr>
-          <p:cNvPr id="29" name="组合 28"/>
+          <p:cNvPr id="17" name="组合 16"/>
           <p:cNvGrpSpPr/>
           <p:nvPr/>
         </p:nvGrpSpPr>
         <p:grpSpPr>
           <a:xfrm>
             <a:off x="5695608" y="2418836"/>
-            <a:ext cx="1504831" cy="994043"/>
-            <a:chOff x="6228184" y="3083029"/>
-            <a:chExt cx="1504831" cy="994043"/>
+            <a:ext cx="1504831" cy="935552"/>
+            <a:chOff x="1475656" y="1052736"/>
+            <a:chExt cx="2016224" cy="1253484"/>
           </a:xfrm>
         </p:grpSpPr>
         <p:sp>
           <p:nvSpPr>
-            <p:cNvPr id="8" name="椭圆 7"/>
-            <p:cNvSpPr/>
+            <p:cNvPr id="18" name="TextBox 17"/>
+            <p:cNvSpPr txBox="1"/>
             <p:nvPr/>
           </p:nvSpPr>
           <p:spPr>
             <a:xfrm>
-              <a:off x="6228184" y="3109681"/>
-              <a:ext cx="967391" cy="967391"/>
+              <a:off x="1475656" y="1052736"/>
+              <a:ext cx="2016224" cy="536081"/>
             </a:xfrm>
-            <a:prstGeom prst="ellipse">
+            <a:prstGeom prst="rect">
               <a:avLst/>
             </a:prstGeom>
-            <a:solidFill>
-              <a:schemeClr val="bg1"/>
-            </a:solidFill>
-            <a:ln>
-              <a:noFill/>
-            </a:ln>
+            <a:noFill/>
           </p:spPr>
-          <p:style>
-            <a:lnRef idx="2">
-              <a:schemeClr val="accent1">
-                <a:shade val="50000"/>
-              </a:schemeClr>
-            </a:lnRef>
-            <a:fillRef idx="1">
-              <a:schemeClr val="accent1"/>
-            </a:fillRef>
-            <a:effectRef idx="0">
-              <a:schemeClr val="accent1"/>
-            </a:effectRef>
-            <a:fontRef idx="minor">
-              <a:schemeClr val="lt1"/>
-            </a:fontRef>
-          </p:style>
           <p:txBody>
-            <a:bodyPr rtlCol="0" anchor="ctr"/>
+            <a:bodyPr wrap="square" rtlCol="0">
+              <a:spAutoFit/>
+            </a:bodyPr>
             <a:lstStyle/>
             <a:p>
-              <a:pPr algn="ctr"/>
-              <a:endParaRPr lang="zh-CN" altLang="en-US"/>
+              <a:r>
+                <a:rPr lang="zh-CN" altLang="en-US" sz="2000" dirty="0" smtClean="0"/>
+                <a:t>课堂表现</a:t>
+              </a:r>
+              <a:endParaRPr lang="zh-CN" altLang="en-US" sz="2000" dirty="0"/>
             </a:p>
           </p:txBody>
         </p:sp>
-        <p:grpSp>
-          <p:nvGrpSpPr>
-            <p:cNvPr id="17" name="组合 16"/>
-            <p:cNvGrpSpPr/>
-            <p:nvPr/>
-          </p:nvGrpSpPr>
-          <p:grpSpPr>
-            <a:xfrm>
-              <a:off x="6228184" y="3083029"/>
-              <a:ext cx="1504831" cy="857763"/>
-              <a:chOff x="1475656" y="1052736"/>
-              <a:chExt cx="2016224" cy="1149260"/>
-            </a:xfrm>
-          </p:grpSpPr>
-          <p:sp>
-            <p:nvSpPr>
-              <p:cNvPr id="18" name="TextBox 17"/>
-              <p:cNvSpPr txBox="1"/>
-              <p:nvPr/>
-            </p:nvSpPr>
-            <p:spPr>
-              <a:xfrm>
-                <a:off x="1475656" y="1052736"/>
-                <a:ext cx="2016224" cy="536081"/>
-              </a:xfrm>
-              <a:prstGeom prst="rect">
-                <a:avLst/>
-              </a:prstGeom>
-              <a:noFill/>
-            </p:spPr>
-            <p:txBody>
-              <a:bodyPr wrap="square" rtlCol="0">
-                <a:spAutoFit/>
-              </a:bodyPr>
-              <a:lstStyle/>
-              <a:p>
-                <a:r>
-                  <a:rPr lang="zh-CN" altLang="en-US" sz="2000" dirty="0" smtClean="0"/>
-                  <a:t>课堂表现</a:t>
-                </a:r>
-                <a:endParaRPr lang="zh-CN" altLang="en-US" sz="2000" dirty="0"/>
-              </a:p>
-            </p:txBody>
-          </p:sp>
-          <p:graphicFrame>
-            <p:nvGraphicFramePr>
-              <p:cNvPr id="19" name="对象 18"/>
-              <p:cNvGraphicFramePr>
-                <a:graphicFrameLocks noChangeAspect="1"/>
-              </p:cNvGraphicFramePr>
-              <p:nvPr>
-                <p:extLst>
-                  <p:ext uri="{D42A27DB-BD31-4B8C-83A1-F6EECF244321}">
-                    <p14:modId xmlns:p14="http://schemas.microsoft.com/office/powerpoint/2010/main" val="3606123622"/>
-                  </p:ext>
-                </p:extLst>
-              </p:nvPr>
-            </p:nvGraphicFramePr>
-            <p:xfrm>
-              <a:off x="1890877" y="1480949"/>
-              <a:ext cx="463683" cy="721047"/>
-            </p:xfrm>
-            <a:graphic>
-              <a:graphicData uri="http://schemas.openxmlformats.org/presentationml/2006/ole">
-                <mc:AlternateContent xmlns:mc="http://schemas.openxmlformats.org/markup-compatibility/2006">
-                  <mc:Choice xmlns:v="urn:schemas-microsoft-com:vml" Requires="v">
-                    <p:oleObj spid="_x0000_s1133" name="Equation" r:id="rId10" imgW="114120" imgH="177480" progId="Equation.DSMT4">
-                      <p:embed/>
-                    </p:oleObj>
-                  </mc:Choice>
-                  <mc:Fallback>
-                    <p:oleObj name="Equation" r:id="rId10" imgW="114120" imgH="177480" progId="Equation.DSMT4">
-                      <p:embed/>
-                      <p:pic>
-                        <p:nvPicPr>
-                          <p:cNvPr id="0" name=""/>
-                          <p:cNvPicPr/>
-                          <p:nvPr/>
-                        </p:nvPicPr>
-                        <p:blipFill>
-                          <a:blip r:embed="rId11"/>
-                          <a:stretch>
-                            <a:fillRect/>
-                          </a:stretch>
-                        </p:blipFill>
-                        <p:spPr>
-                          <a:xfrm>
-                            <a:off x="1890877" y="1480949"/>
-                            <a:ext cx="463683" cy="721047"/>
-                          </a:xfrm>
-                          <a:prstGeom prst="rect">
-                            <a:avLst/>
-                          </a:prstGeom>
-                        </p:spPr>
-                      </p:pic>
-                    </p:oleObj>
-                  </mc:Fallback>
-                </mc:AlternateContent>
-              </a:graphicData>
-            </a:graphic>
-          </p:graphicFrame>
-        </p:grpSp>
+        <p:graphicFrame>
+          <p:nvGraphicFramePr>
+            <p:cNvPr id="19" name="对象 18"/>
+            <p:cNvGraphicFramePr>
+              <a:graphicFrameLocks noChangeAspect="1"/>
+            </p:cNvGraphicFramePr>
+            <p:nvPr>
+              <p:extLst>
+                <p:ext uri="{D42A27DB-BD31-4B8C-83A1-F6EECF244321}">
+                  <p14:modId xmlns:p14="http://schemas.microsoft.com/office/powerpoint/2010/main" val="923704908"/>
+                </p:ext>
+              </p:extLst>
+            </p:nvPr>
+          </p:nvGraphicFramePr>
+          <p:xfrm>
+            <a:off x="1788782" y="1378854"/>
+            <a:ext cx="670000" cy="927366"/>
+          </p:xfrm>
+          <a:graphic>
+            <a:graphicData uri="http://schemas.openxmlformats.org/presentationml/2006/ole">
+              <mc:AlternateContent xmlns:mc="http://schemas.openxmlformats.org/markup-compatibility/2006">
+                <mc:Choice xmlns:v="urn:schemas-microsoft-com:vml" Requires="v">
+                  <p:oleObj spid="_x0000_s1141" name="Equation" r:id="rId10" imgW="164880" imgH="228600" progId="Equation.DSMT4">
+                    <p:embed/>
+                  </p:oleObj>
+                </mc:Choice>
+                <mc:Fallback>
+                  <p:oleObj name="Equation" r:id="rId10" imgW="164880" imgH="228600" progId="Equation.DSMT4">
+                    <p:embed/>
+                    <p:pic>
+                      <p:nvPicPr>
+                        <p:cNvPr id="0" name=""/>
+                        <p:cNvPicPr/>
+                        <p:nvPr/>
+                      </p:nvPicPr>
+                      <p:blipFill>
+                        <a:blip r:embed="rId11"/>
+                        <a:stretch>
+                          <a:fillRect/>
+                        </a:stretch>
+                      </p:blipFill>
+                      <p:spPr>
+                        <a:xfrm>
+                          <a:off x="1788782" y="1378854"/>
+                          <a:ext cx="670000" cy="927366"/>
+                        </a:xfrm>
+                        <a:prstGeom prst="rect">
+                          <a:avLst/>
+                        </a:prstGeom>
+                      </p:spPr>
+                    </p:pic>
+                  </p:oleObj>
+                </mc:Fallback>
+              </mc:AlternateContent>
+            </a:graphicData>
+          </a:graphic>
+        </p:graphicFrame>
       </p:grpSp>
+      <p:sp>
+        <p:nvSpPr>
+          <p:cNvPr id="7" name="椭圆 6"/>
+          <p:cNvSpPr/>
+          <p:nvPr/>
+        </p:nvSpPr>
+        <p:spPr>
+          <a:xfrm>
+            <a:off x="3779725" y="2618891"/>
+            <a:ext cx="901812" cy="864248"/>
+          </a:xfrm>
+          <a:prstGeom prst="ellipse">
+            <a:avLst/>
+          </a:prstGeom>
+          <a:solidFill>
+            <a:schemeClr val="bg1"/>
+          </a:solidFill>
+          <a:ln>
+            <a:solidFill>
+              <a:schemeClr val="accent1"/>
+            </a:solidFill>
+          </a:ln>
+        </p:spPr>
+        <p:style>
+          <a:lnRef idx="2">
+            <a:schemeClr val="accent1">
+              <a:shade val="50000"/>
+            </a:schemeClr>
+          </a:lnRef>
+          <a:fillRef idx="1">
+            <a:schemeClr val="accent1"/>
+          </a:fillRef>
+          <a:effectRef idx="0">
+            <a:schemeClr val="accent1"/>
+          </a:effectRef>
+          <a:fontRef idx="minor">
+            <a:schemeClr val="lt1"/>
+          </a:fontRef>
+        </p:style>
+        <p:txBody>
+          <a:bodyPr rtlCol="0" anchor="ctr"/>
+          <a:lstStyle/>
+          <a:p>
+            <a:pPr algn="ctr"/>
+            <a:endParaRPr lang="zh-CN" altLang="en-US"/>
+          </a:p>
+        </p:txBody>
+      </p:sp>
       <p:grpSp>
         <p:nvGrpSpPr>
-          <p:cNvPr id="28" name="组合 27"/>
+          <p:cNvPr id="20" name="组合 19"/>
           <p:cNvGrpSpPr/>
           <p:nvPr/>
         </p:nvGrpSpPr>
         <p:grpSpPr>
           <a:xfrm>
             <a:off x="3529221" y="2618891"/>
-            <a:ext cx="1402819" cy="864248"/>
-            <a:chOff x="3040519" y="3511128"/>
-            <a:chExt cx="1504831" cy="967391"/>
+            <a:ext cx="1402819" cy="747844"/>
+            <a:chOff x="1475656" y="1052736"/>
+            <a:chExt cx="2016224" cy="1121569"/>
           </a:xfrm>
         </p:grpSpPr>
         <p:sp>
           <p:nvSpPr>
-            <p:cNvPr id="7" name="椭圆 6"/>
-            <p:cNvSpPr/>
+            <p:cNvPr id="21" name="TextBox 20"/>
+            <p:cNvSpPr txBox="1"/>
             <p:nvPr/>
           </p:nvSpPr>
           <p:spPr>
             <a:xfrm>
-              <a:off x="3309240" y="3511128"/>
-              <a:ext cx="967391" cy="967391"/>
+              <a:off x="1475656" y="1052736"/>
+              <a:ext cx="2016224" cy="536081"/>
             </a:xfrm>
-            <a:prstGeom prst="ellipse">
+            <a:prstGeom prst="rect">
               <a:avLst/>
             </a:prstGeom>
-            <a:solidFill>
-              <a:schemeClr val="bg1"/>
-            </a:solidFill>
-            <a:ln>
-              <a:noFill/>
-            </a:ln>
+            <a:noFill/>
           </p:spPr>
-          <p:style>
-            <a:lnRef idx="2">
-              <a:schemeClr val="accent1">
-                <a:shade val="50000"/>
-              </a:schemeClr>
-            </a:lnRef>
-            <a:fillRef idx="1">
-              <a:schemeClr val="accent1"/>
-            </a:fillRef>
-            <a:effectRef idx="0">
-              <a:schemeClr val="accent1"/>
-            </a:effectRef>
-            <a:fontRef idx="minor">
-              <a:schemeClr val="lt1"/>
-            </a:fontRef>
-          </p:style>
           <p:txBody>
-            <a:bodyPr rtlCol="0" anchor="ctr"/>
+            <a:bodyPr wrap="square" rtlCol="0">
+              <a:spAutoFit/>
+            </a:bodyPr>
             <a:lstStyle/>
             <a:p>
-              <a:pPr algn="ctr"/>
-              <a:endParaRPr lang="zh-CN" altLang="en-US"/>
+              <a:r>
+                <a:rPr lang="zh-CN" altLang="en-US" sz="2000" dirty="0" smtClean="0"/>
+                <a:t>考试成绩</a:t>
+              </a:r>
+              <a:endParaRPr lang="zh-CN" altLang="en-US" sz="2000" dirty="0"/>
             </a:p>
           </p:txBody>
         </p:sp>
-        <p:grpSp>
-          <p:nvGrpSpPr>
-            <p:cNvPr id="20" name="组合 19"/>
-            <p:cNvGrpSpPr/>
-            <p:nvPr/>
-          </p:nvGrpSpPr>
-          <p:grpSpPr>
-            <a:xfrm>
-              <a:off x="3040519" y="3511128"/>
-              <a:ext cx="1504831" cy="837095"/>
-              <a:chOff x="1475656" y="1052736"/>
-              <a:chExt cx="2016224" cy="1121569"/>
-            </a:xfrm>
-          </p:grpSpPr>
-          <p:sp>
-            <p:nvSpPr>
-              <p:cNvPr id="21" name="TextBox 20"/>
-              <p:cNvSpPr txBox="1"/>
-              <p:nvPr/>
-            </p:nvSpPr>
-            <p:spPr>
-              <a:xfrm>
-                <a:off x="1475656" y="1052736"/>
-                <a:ext cx="2016224" cy="536081"/>
-              </a:xfrm>
-              <a:prstGeom prst="rect">
-                <a:avLst/>
-              </a:prstGeom>
-              <a:noFill/>
-            </p:spPr>
-            <p:txBody>
-              <a:bodyPr wrap="square" rtlCol="0">
-                <a:spAutoFit/>
-              </a:bodyPr>
-              <a:lstStyle/>
-              <a:p>
-                <a:r>
-                  <a:rPr lang="zh-CN" altLang="en-US" sz="2000" dirty="0" smtClean="0"/>
-                  <a:t>考试成绩</a:t>
-                </a:r>
-                <a:endParaRPr lang="zh-CN" altLang="en-US" sz="2000" dirty="0"/>
-              </a:p>
-            </p:txBody>
-          </p:sp>
-          <p:graphicFrame>
-            <p:nvGraphicFramePr>
-              <p:cNvPr id="22" name="对象 21"/>
-              <p:cNvGraphicFramePr>
-                <a:graphicFrameLocks noChangeAspect="1"/>
-              </p:cNvGraphicFramePr>
-              <p:nvPr>
-                <p:extLst>
-                  <p:ext uri="{D42A27DB-BD31-4B8C-83A1-F6EECF244321}">
-                    <p14:modId xmlns:p14="http://schemas.microsoft.com/office/powerpoint/2010/main" val="3203823461"/>
-                  </p:ext>
-                </p:extLst>
-              </p:nvPr>
-            </p:nvGraphicFramePr>
-            <p:xfrm>
-              <a:off x="1840756" y="1505967"/>
-              <a:ext cx="565150" cy="668338"/>
-            </p:xfrm>
-            <a:graphic>
-              <a:graphicData uri="http://schemas.openxmlformats.org/presentationml/2006/ole">
-                <mc:AlternateContent xmlns:mc="http://schemas.openxmlformats.org/markup-compatibility/2006">
-                  <mc:Choice xmlns:v="urn:schemas-microsoft-com:vml" Requires="v">
-                    <p:oleObj spid="_x0000_s1134" name="Equation" r:id="rId12" imgW="139680" imgH="164880" progId="Equation.DSMT4">
-                      <p:embed/>
-                    </p:oleObj>
-                  </mc:Choice>
-                  <mc:Fallback>
-                    <p:oleObj name="Equation" r:id="rId12" imgW="139680" imgH="164880" progId="Equation.DSMT4">
-                      <p:embed/>
-                      <p:pic>
-                        <p:nvPicPr>
-                          <p:cNvPr id="0" name=""/>
-                          <p:cNvPicPr/>
-                          <p:nvPr/>
-                        </p:nvPicPr>
-                        <p:blipFill>
-                          <a:blip r:embed="rId13"/>
-                          <a:stretch>
-                            <a:fillRect/>
-                          </a:stretch>
-                        </p:blipFill>
-                        <p:spPr>
-                          <a:xfrm>
-                            <a:off x="1840756" y="1505967"/>
-                            <a:ext cx="565150" cy="668338"/>
-                          </a:xfrm>
-                          <a:prstGeom prst="rect">
-                            <a:avLst/>
-                          </a:prstGeom>
-                        </p:spPr>
-                      </p:pic>
-                    </p:oleObj>
-                  </mc:Fallback>
-                </mc:AlternateContent>
-              </a:graphicData>
-            </a:graphic>
-          </p:graphicFrame>
-        </p:grpSp>
+        <p:graphicFrame>
+          <p:nvGraphicFramePr>
+            <p:cNvPr id="22" name="对象 21"/>
+            <p:cNvGraphicFramePr>
+              <a:graphicFrameLocks noChangeAspect="1"/>
+            </p:cNvGraphicFramePr>
+            <p:nvPr>
+              <p:extLst>
+                <p:ext uri="{D42A27DB-BD31-4B8C-83A1-F6EECF244321}">
+                  <p14:modId xmlns:p14="http://schemas.microsoft.com/office/powerpoint/2010/main" val="3203823461"/>
+                </p:ext>
+              </p:extLst>
+            </p:nvPr>
+          </p:nvGraphicFramePr>
+          <p:xfrm>
+            <a:off x="1840756" y="1505967"/>
+            <a:ext cx="565150" cy="668338"/>
+          </p:xfrm>
+          <a:graphic>
+            <a:graphicData uri="http://schemas.openxmlformats.org/presentationml/2006/ole">
+              <mc:AlternateContent xmlns:mc="http://schemas.openxmlformats.org/markup-compatibility/2006">
+                <mc:Choice xmlns:v="urn:schemas-microsoft-com:vml" Requires="v">
+                  <p:oleObj spid="_x0000_s1142" name="Equation" r:id="rId12" imgW="139680" imgH="164880" progId="Equation.DSMT4">
+                    <p:embed/>
+                  </p:oleObj>
+                </mc:Choice>
+                <mc:Fallback>
+                  <p:oleObj name="Equation" r:id="rId12" imgW="139680" imgH="164880" progId="Equation.DSMT4">
+                    <p:embed/>
+                    <p:pic>
+                      <p:nvPicPr>
+                        <p:cNvPr id="0" name=""/>
+                        <p:cNvPicPr/>
+                        <p:nvPr/>
+                      </p:nvPicPr>
+                      <p:blipFill>
+                        <a:blip r:embed="rId13"/>
+                        <a:stretch>
+                          <a:fillRect/>
+                        </a:stretch>
+                      </p:blipFill>
+                      <p:spPr>
+                        <a:xfrm>
+                          <a:off x="1840756" y="1505967"/>
+                          <a:ext cx="565150" cy="668338"/>
+                        </a:xfrm>
+                        <a:prstGeom prst="rect">
+                          <a:avLst/>
+                        </a:prstGeom>
+                      </p:spPr>
+                    </p:pic>
+                  </p:oleObj>
+                </mc:Fallback>
+              </mc:AlternateContent>
+            </a:graphicData>
+          </a:graphic>
+        </p:graphicFrame>
       </p:grpSp>
+      <p:sp>
+        <p:nvSpPr>
+          <p:cNvPr id="9" name="椭圆 8"/>
+          <p:cNvSpPr/>
+          <p:nvPr/>
+        </p:nvSpPr>
+        <p:spPr>
+          <a:xfrm>
+            <a:off x="3791827" y="5157192"/>
+            <a:ext cx="931895" cy="1008112"/>
+          </a:xfrm>
+          <a:prstGeom prst="ellipse">
+            <a:avLst/>
+          </a:prstGeom>
+          <a:solidFill>
+            <a:schemeClr val="bg1"/>
+          </a:solidFill>
+          <a:ln>
+            <a:solidFill>
+              <a:schemeClr val="accent1"/>
+            </a:solidFill>
+          </a:ln>
+        </p:spPr>
+        <p:style>
+          <a:lnRef idx="2">
+            <a:schemeClr val="accent1">
+              <a:shade val="50000"/>
+            </a:schemeClr>
+          </a:lnRef>
+          <a:fillRef idx="1">
+            <a:schemeClr val="accent1"/>
+          </a:fillRef>
+          <a:effectRef idx="0">
+            <a:schemeClr val="accent1"/>
+          </a:effectRef>
+          <a:fontRef idx="minor">
+            <a:schemeClr val="lt1"/>
+          </a:fontRef>
+        </p:style>
+        <p:txBody>
+          <a:bodyPr rtlCol="0" anchor="ctr"/>
+          <a:lstStyle/>
+          <a:p>
+            <a:pPr algn="ctr"/>
+            <a:endParaRPr lang="zh-CN" altLang="en-US"/>
+          </a:p>
+        </p:txBody>
+      </p:sp>
       <p:grpSp>
         <p:nvGrpSpPr>
-          <p:cNvPr id="30" name="组合 29"/>
+          <p:cNvPr id="23" name="组合 22"/>
           <p:cNvGrpSpPr/>
           <p:nvPr/>
         </p:nvGrpSpPr>
         <p:grpSpPr>
           <a:xfrm>
-            <a:off x="3595099" y="5157192"/>
-            <a:ext cx="1128623" cy="1039192"/>
-            <a:chOff x="3253421" y="5188073"/>
-            <a:chExt cx="1128623" cy="1039192"/>
+            <a:off x="3595099" y="5231347"/>
+            <a:ext cx="1128623" cy="965037"/>
+            <a:chOff x="1475656" y="1052736"/>
+            <a:chExt cx="1512168" cy="1292989"/>
           </a:xfrm>
         </p:grpSpPr>
         <p:sp>
           <p:nvSpPr>
-            <p:cNvPr id="9" name="椭圆 8"/>
-            <p:cNvSpPr/>
+            <p:cNvPr id="24" name="TextBox 23"/>
+            <p:cNvSpPr txBox="1"/>
             <p:nvPr/>
           </p:nvSpPr>
           <p:spPr>
             <a:xfrm>
-              <a:off x="3450149" y="5188073"/>
-              <a:ext cx="931895" cy="1008112"/>
+              <a:off x="1475656" y="1052736"/>
+              <a:ext cx="1512168" cy="948450"/>
             </a:xfrm>
-            <a:prstGeom prst="ellipse">
+            <a:prstGeom prst="rect">
               <a:avLst/>
             </a:prstGeom>
-            <a:solidFill>
-              <a:schemeClr val="bg1"/>
-            </a:solidFill>
-            <a:ln>
-              <a:noFill/>
-            </a:ln>
+            <a:noFill/>
           </p:spPr>
-          <p:style>
-            <a:lnRef idx="2">
-              <a:schemeClr val="accent1">
-                <a:shade val="50000"/>
-              </a:schemeClr>
-            </a:lnRef>
-            <a:fillRef idx="1">
-              <a:schemeClr val="accent1"/>
-            </a:fillRef>
-            <a:effectRef idx="0">
-              <a:schemeClr val="accent1"/>
-            </a:effectRef>
-            <a:fontRef idx="minor">
-              <a:schemeClr val="lt1"/>
-            </a:fontRef>
-          </p:style>
           <p:txBody>
-            <a:bodyPr rtlCol="0" anchor="ctr"/>
+            <a:bodyPr wrap="square" rtlCol="0">
+              <a:spAutoFit/>
+            </a:bodyPr>
             <a:lstStyle/>
             <a:p>
-              <a:pPr algn="ctr"/>
-              <a:endParaRPr lang="zh-CN" altLang="en-US"/>
+              <a:r>
+                <a:rPr lang="zh-CN" altLang="en-US" sz="2000" dirty="0"/>
+                <a:t>综合评价</a:t>
+              </a:r>
             </a:p>
           </p:txBody>
         </p:sp>
-        <p:grpSp>
-          <p:nvGrpSpPr>
-            <p:cNvPr id="23" name="组合 22"/>
-            <p:cNvGrpSpPr/>
-            <p:nvPr/>
-          </p:nvGrpSpPr>
-          <p:grpSpPr>
-            <a:xfrm>
-              <a:off x="3253421" y="5262228"/>
-              <a:ext cx="1128623" cy="965037"/>
-              <a:chOff x="1475656" y="1052736"/>
-              <a:chExt cx="1512168" cy="1292989"/>
-            </a:xfrm>
-          </p:grpSpPr>
-          <p:sp>
-            <p:nvSpPr>
-              <p:cNvPr id="24" name="TextBox 23"/>
-              <p:cNvSpPr txBox="1"/>
-              <p:nvPr/>
-            </p:nvSpPr>
-            <p:spPr>
-              <a:xfrm>
-                <a:off x="1475656" y="1052736"/>
-                <a:ext cx="1512168" cy="948450"/>
-              </a:xfrm>
-              <a:prstGeom prst="rect">
-                <a:avLst/>
-              </a:prstGeom>
-              <a:noFill/>
-            </p:spPr>
-            <p:txBody>
-              <a:bodyPr wrap="square" rtlCol="0">
-                <a:spAutoFit/>
-              </a:bodyPr>
-              <a:lstStyle/>
-              <a:p>
-                <a:r>
-                  <a:rPr lang="zh-CN" altLang="en-US" sz="2000" dirty="0"/>
-                  <a:t>综合评价</a:t>
-                </a:r>
-              </a:p>
-            </p:txBody>
-          </p:sp>
-          <p:graphicFrame>
-            <p:nvGraphicFramePr>
-              <p:cNvPr id="25" name="对象 24"/>
-              <p:cNvGraphicFramePr>
-                <a:graphicFrameLocks noChangeAspect="1"/>
-              </p:cNvGraphicFramePr>
-              <p:nvPr>
-                <p:extLst>
-                  <p:ext uri="{D42A27DB-BD31-4B8C-83A1-F6EECF244321}">
-                    <p14:modId xmlns:p14="http://schemas.microsoft.com/office/powerpoint/2010/main" val="1614556114"/>
-                  </p:ext>
-                </p:extLst>
-              </p:nvPr>
-            </p:nvGraphicFramePr>
-            <p:xfrm>
-              <a:off x="2231739" y="1421800"/>
-              <a:ext cx="668338" cy="923925"/>
-            </p:xfrm>
-            <a:graphic>
-              <a:graphicData uri="http://schemas.openxmlformats.org/presentationml/2006/ole">
-                <mc:AlternateContent xmlns:mc="http://schemas.openxmlformats.org/markup-compatibility/2006">
-                  <mc:Choice xmlns:v="urn:schemas-microsoft-com:vml" Requires="v">
-                    <p:oleObj spid="_x0000_s1135" name="Equation" r:id="rId14" imgW="164880" imgH="228600" progId="Equation.DSMT4">
-                      <p:embed/>
-                    </p:oleObj>
-                  </mc:Choice>
-                  <mc:Fallback>
-                    <p:oleObj name="Equation" r:id="rId14" imgW="164880" imgH="228600" progId="Equation.DSMT4">
-                      <p:embed/>
-                      <p:pic>
-                        <p:nvPicPr>
-                          <p:cNvPr id="0" name=""/>
-                          <p:cNvPicPr/>
-                          <p:nvPr/>
-                        </p:nvPicPr>
-                        <p:blipFill>
-                          <a:blip r:embed="rId15"/>
-                          <a:stretch>
-                            <a:fillRect/>
-                          </a:stretch>
-                        </p:blipFill>
-                        <p:spPr>
-                          <a:xfrm>
-                            <a:off x="2231739" y="1421800"/>
-                            <a:ext cx="668338" cy="923925"/>
-                          </a:xfrm>
-                          <a:prstGeom prst="rect">
-                            <a:avLst/>
-                          </a:prstGeom>
-                        </p:spPr>
-                      </p:pic>
-                    </p:oleObj>
-                  </mc:Fallback>
-                </mc:AlternateContent>
-              </a:graphicData>
-            </a:graphic>
-          </p:graphicFrame>
-        </p:grpSp>
+        <p:graphicFrame>
+          <p:nvGraphicFramePr>
+            <p:cNvPr id="25" name="对象 24"/>
+            <p:cNvGraphicFramePr>
+              <a:graphicFrameLocks noChangeAspect="1"/>
+            </p:cNvGraphicFramePr>
+            <p:nvPr>
+              <p:extLst>
+                <p:ext uri="{D42A27DB-BD31-4B8C-83A1-F6EECF244321}">
+                  <p14:modId xmlns:p14="http://schemas.microsoft.com/office/powerpoint/2010/main" val="1614556114"/>
+                </p:ext>
+              </p:extLst>
+            </p:nvPr>
+          </p:nvGraphicFramePr>
+          <p:xfrm>
+            <a:off x="2231739" y="1421800"/>
+            <a:ext cx="668338" cy="923925"/>
+          </p:xfrm>
+          <a:graphic>
+            <a:graphicData uri="http://schemas.openxmlformats.org/presentationml/2006/ole">
+              <mc:AlternateContent xmlns:mc="http://schemas.openxmlformats.org/markup-compatibility/2006">
+                <mc:Choice xmlns:v="urn:schemas-microsoft-com:vml" Requires="v">
+                  <p:oleObj spid="_x0000_s1143" name="Equation" r:id="rId14" imgW="164880" imgH="228600" progId="Equation.DSMT4">
+                    <p:embed/>
+                  </p:oleObj>
+                </mc:Choice>
+                <mc:Fallback>
+                  <p:oleObj name="Equation" r:id="rId14" imgW="164880" imgH="228600" progId="Equation.DSMT4">
+                    <p:embed/>
+                    <p:pic>
+                      <p:nvPicPr>
+                        <p:cNvPr id="0" name=""/>
+                        <p:cNvPicPr/>
+                        <p:nvPr/>
+                      </p:nvPicPr>
+                      <p:blipFill>
+                        <a:blip r:embed="rId15"/>
+                        <a:stretch>
+                          <a:fillRect/>
+                        </a:stretch>
+                      </p:blipFill>
+                      <p:spPr>
+                        <a:xfrm>
+                          <a:off x="2231739" y="1421800"/>
+                          <a:ext cx="668338" cy="923925"/>
+                        </a:xfrm>
+                        <a:prstGeom prst="rect">
+                          <a:avLst/>
+                        </a:prstGeom>
+                      </p:spPr>
+                    </p:pic>
+                  </p:oleObj>
+                </mc:Fallback>
+              </mc:AlternateContent>
+            </a:graphicData>
+          </a:graphic>
+        </p:graphicFrame>
       </p:grpSp>
       <p:cxnSp>
         <p:nvCxnSpPr>
@@ -4553,12 +4488,12 @@
           <a:graphicData uri="http://schemas.openxmlformats.org/presentationml/2006/ole">
             <mc:AlternateContent xmlns:mc="http://schemas.openxmlformats.org/markup-compatibility/2006">
               <mc:Choice xmlns:v="urn:schemas-microsoft-com:vml" Requires="v">
-                <p:oleObj spid="_x0000_s1136" name="工作表" r:id="rId16" imgW="2066937" imgH="695349" progId="Excel.Sheet.12">
+                <p:oleObj spid="_x0000_s1144" name="工作表" r:id="rId17" imgW="2066937" imgH="695349" progId="Excel.Sheet.12">
                   <p:embed/>
                 </p:oleObj>
               </mc:Choice>
               <mc:Fallback>
-                <p:oleObj name="工作表" r:id="rId16" imgW="2066937" imgH="695349" progId="Excel.Sheet.12">
+                <p:oleObj name="工作表" r:id="rId17" imgW="2066937" imgH="695349" progId="Excel.Sheet.12">
                   <p:embed/>
                   <p:pic>
                     <p:nvPicPr>
@@ -4567,7 +4502,7 @@
                       <p:nvPr/>
                     </p:nvPicPr>
                     <p:blipFill>
-                      <a:blip r:embed="rId17"/>
+                      <a:blip r:embed="rId18"/>
                       <a:stretch>
                         <a:fillRect/>
                       </a:stretch>
@@ -4610,12 +4545,12 @@
           <a:graphicData uri="http://schemas.openxmlformats.org/presentationml/2006/ole">
             <mc:AlternateContent xmlns:mc="http://schemas.openxmlformats.org/markup-compatibility/2006">
               <mc:Choice xmlns:v="urn:schemas-microsoft-com:vml" Requires="v">
-                <p:oleObj spid="_x0000_s1137" name="工作表" r:id="rId18" imgW="3152909" imgH="1038165" progId="Excel.Sheet.12">
+                <p:oleObj spid="_x0000_s1145" name="工作表" r:id="rId20" imgW="3152909" imgH="1038165" progId="Excel.Sheet.12">
                   <p:embed/>
                 </p:oleObj>
               </mc:Choice>
               <mc:Fallback>
-                <p:oleObj name="工作表" r:id="rId18" imgW="3152909" imgH="1038165" progId="Excel.Sheet.12">
+                <p:oleObj name="工作表" r:id="rId20" imgW="3152909" imgH="1038165" progId="Excel.Sheet.12">
                   <p:embed/>
                   <p:pic>
                     <p:nvPicPr>
@@ -4624,7 +4559,7 @@
                       <p:nvPr/>
                     </p:nvPicPr>
                     <p:blipFill>
-                      <a:blip r:embed="rId19"/>
+                      <a:blip r:embed="rId21"/>
                       <a:stretch>
                         <a:fillRect/>
                       </a:stretch>
@@ -4667,12 +4602,12 @@
           <a:graphicData uri="http://schemas.openxmlformats.org/presentationml/2006/ole">
             <mc:AlternateContent xmlns:mc="http://schemas.openxmlformats.org/markup-compatibility/2006">
               <mc:Choice xmlns:v="urn:schemas-microsoft-com:vml" Requires="v">
-                <p:oleObj spid="_x0000_s1138" name="工作表" r:id="rId20" imgW="2209736" imgH="866757" progId="Excel.Sheet.12">
+                <p:oleObj spid="_x0000_s1146" name="工作表" r:id="rId23" imgW="2209736" imgH="866757" progId="Excel.Sheet.12">
                   <p:embed/>
                 </p:oleObj>
               </mc:Choice>
               <mc:Fallback>
-                <p:oleObj name="工作表" r:id="rId20" imgW="2209736" imgH="866757" progId="Excel.Sheet.12">
+                <p:oleObj name="工作表" r:id="rId23" imgW="2209736" imgH="866757" progId="Excel.Sheet.12">
                   <p:embed/>
                   <p:pic>
                     <p:nvPicPr>
@@ -4681,7 +4616,7 @@
                       <p:nvPr/>
                     </p:nvPicPr>
                     <p:blipFill>
-                      <a:blip r:embed="rId21"/>
+                      <a:blip r:embed="rId24"/>
                       <a:stretch>
                         <a:fillRect/>
                       </a:stretch>
@@ -4745,6 +4680,9 @@
             <a:chOff x="1439355" y="1359841"/>
             <a:chExt cx="1334149" cy="3819328"/>
           </a:xfrm>
+          <a:solidFill>
+            <a:schemeClr val="bg1"/>
+          </a:solidFill>
         </p:grpSpPr>
         <p:grpSp>
           <p:nvGrpSpPr>
@@ -4759,6 +4697,7 @@
               <a:chOff x="1475656" y="1309481"/>
               <a:chExt cx="967391" cy="967391"/>
             </a:xfrm>
+            <a:grpFill/>
           </p:grpSpPr>
           <p:sp>
             <p:nvSpPr>
@@ -4774,9 +4713,7 @@
               <a:prstGeom prst="ellipse">
                 <a:avLst/>
               </a:prstGeom>
-              <a:solidFill>
-                <a:schemeClr val="bg1"/>
-              </a:solidFill>
+              <a:grpFill/>
               <a:ln>
                 <a:solidFill>
                   <a:schemeClr val="tx1"/>
@@ -4830,7 +4767,7 @@
               <a:graphicData uri="http://schemas.openxmlformats.org/presentationml/2006/ole">
                 <mc:AlternateContent xmlns:mc="http://schemas.openxmlformats.org/markup-compatibility/2006">
                   <mc:Choice xmlns:v="urn:schemas-microsoft-com:vml" Requires="v">
-                    <p:oleObj spid="_x0000_s2086" name="Equation" r:id="rId3" imgW="164880" imgH="228600" progId="Equation.DSMT4">
+                    <p:oleObj spid="_x0000_s2095" name="Equation" r:id="rId3" imgW="164880" imgH="228600" progId="Equation.DSMT4">
                       <p:embed/>
                     </p:oleObj>
                   </mc:Choice>
@@ -4879,6 +4816,7 @@
               <a:chOff x="4391544" y="1309481"/>
               <a:chExt cx="967391" cy="967391"/>
             </a:xfrm>
+            <a:grpFill/>
           </p:grpSpPr>
           <p:sp>
             <p:nvSpPr>
@@ -4894,9 +4832,7 @@
               <a:prstGeom prst="ellipse">
                 <a:avLst/>
               </a:prstGeom>
-              <a:solidFill>
-                <a:schemeClr val="bg1"/>
-              </a:solidFill>
+              <a:grpFill/>
               <a:ln>
                 <a:solidFill>
                   <a:schemeClr val="tx1"/>
@@ -4950,7 +4886,7 @@
               <a:graphicData uri="http://schemas.openxmlformats.org/presentationml/2006/ole">
                 <mc:AlternateContent xmlns:mc="http://schemas.openxmlformats.org/markup-compatibility/2006">
                   <mc:Choice xmlns:v="urn:schemas-microsoft-com:vml" Requires="v">
-                    <p:oleObj spid="_x0000_s2087" name="Equation" r:id="rId5" imgW="152280" imgH="228600" progId="Equation.DSMT4">
+                    <p:oleObj spid="_x0000_s2096" name="Equation" r:id="rId5" imgW="152280" imgH="228600" progId="Equation.DSMT4">
                       <p:embed/>
                     </p:oleObj>
                   </mc:Choice>
@@ -4999,6 +4935,7 @@
               <a:chOff x="3309240" y="3511128"/>
               <a:chExt cx="967391" cy="967391"/>
             </a:xfrm>
+            <a:grpFill/>
           </p:grpSpPr>
           <p:sp>
             <p:nvSpPr>
@@ -5014,9 +4951,7 @@
               <a:prstGeom prst="ellipse">
                 <a:avLst/>
               </a:prstGeom>
-              <a:solidFill>
-                <a:schemeClr val="bg1"/>
-              </a:solidFill>
+              <a:grpFill/>
               <a:ln>
                 <a:solidFill>
                   <a:schemeClr val="tx1"/>
@@ -5070,7 +5005,7 @@
               <a:graphicData uri="http://schemas.openxmlformats.org/presentationml/2006/ole">
                 <mc:AlternateContent xmlns:mc="http://schemas.openxmlformats.org/markup-compatibility/2006">
                   <mc:Choice xmlns:v="urn:schemas-microsoft-com:vml" Requires="v">
-                    <p:oleObj spid="_x0000_s2088" name="Equation" r:id="rId7" imgW="164880" imgH="228600" progId="Equation.DSMT4">
+                    <p:oleObj spid="_x0000_s2097" name="Equation" r:id="rId7" imgW="164880" imgH="228600" progId="Equation.DSMT4">
                       <p:embed/>
                     </p:oleObj>
                   </mc:Choice>
@@ -5123,6 +5058,7 @@
             <a:prstGeom prst="straightConnector1">
               <a:avLst/>
             </a:prstGeom>
+            <a:grpFill/>
             <a:ln w="38100">
               <a:solidFill>
                 <a:schemeClr val="tx1"/>
@@ -5163,6 +5099,7 @@
             <a:prstGeom prst="straightConnector1">
               <a:avLst/>
             </a:prstGeom>
+            <a:grpFill/>
             <a:ln w="38100">
               <a:solidFill>
                 <a:schemeClr val="tx1"/>
@@ -5200,7 +5137,7 @@
             <a:prstGeom prst="rect">
               <a:avLst/>
             </a:prstGeom>
-            <a:noFill/>
+            <a:grpFill/>
           </p:spPr>
           <p:txBody>
             <a:bodyPr wrap="square" rtlCol="0">
@@ -5230,6 +5167,9 @@
             <a:chOff x="3807222" y="1709172"/>
             <a:chExt cx="1682061" cy="3469996"/>
           </a:xfrm>
+          <a:solidFill>
+            <a:schemeClr val="bg1"/>
+          </a:solidFill>
         </p:grpSpPr>
         <p:grpSp>
           <p:nvGrpSpPr>
@@ -5244,6 +5184,7 @@
               <a:chOff x="1475656" y="1309481"/>
               <a:chExt cx="967391" cy="967391"/>
             </a:xfrm>
+            <a:grpFill/>
           </p:grpSpPr>
           <p:sp>
             <p:nvSpPr>
@@ -5259,9 +5200,7 @@
               <a:prstGeom prst="ellipse">
                 <a:avLst/>
               </a:prstGeom>
-              <a:solidFill>
-                <a:schemeClr val="bg1"/>
-              </a:solidFill>
+              <a:grpFill/>
               <a:ln>
                 <a:solidFill>
                   <a:schemeClr val="tx1"/>
@@ -5315,7 +5254,7 @@
               <a:graphicData uri="http://schemas.openxmlformats.org/presentationml/2006/ole">
                 <mc:AlternateContent xmlns:mc="http://schemas.openxmlformats.org/markup-compatibility/2006">
                   <mc:Choice xmlns:v="urn:schemas-microsoft-com:vml" Requires="v">
-                    <p:oleObj spid="_x0000_s2089" name="Equation" r:id="rId9" imgW="164880" imgH="228600" progId="Equation.DSMT4">
+                    <p:oleObj spid="_x0000_s2098" name="Equation" r:id="rId9" imgW="164880" imgH="228600" progId="Equation.DSMT4">
                       <p:embed/>
                     </p:oleObj>
                   </mc:Choice>
@@ -5364,6 +5303,7 @@
               <a:chOff x="4391544" y="1309481"/>
               <a:chExt cx="967391" cy="967391"/>
             </a:xfrm>
+            <a:grpFill/>
           </p:grpSpPr>
           <p:sp>
             <p:nvSpPr>
@@ -5379,9 +5319,7 @@
               <a:prstGeom prst="ellipse">
                 <a:avLst/>
               </a:prstGeom>
-              <a:solidFill>
-                <a:schemeClr val="bg1"/>
-              </a:solidFill>
+              <a:grpFill/>
               <a:ln>
                 <a:solidFill>
                   <a:schemeClr val="tx1"/>
@@ -5435,7 +5373,7 @@
               <a:graphicData uri="http://schemas.openxmlformats.org/presentationml/2006/ole">
                 <mc:AlternateContent xmlns:mc="http://schemas.openxmlformats.org/markup-compatibility/2006">
                   <mc:Choice xmlns:v="urn:schemas-microsoft-com:vml" Requires="v">
-                    <p:oleObj spid="_x0000_s2090" name="Equation" r:id="rId10" imgW="152280" imgH="228600" progId="Equation.DSMT4">
+                    <p:oleObj spid="_x0000_s2099" name="Equation" r:id="rId10" imgW="152280" imgH="228600" progId="Equation.DSMT4">
                       <p:embed/>
                     </p:oleObj>
                   </mc:Choice>
@@ -5484,6 +5422,7 @@
               <a:chOff x="3309240" y="3511128"/>
               <a:chExt cx="967391" cy="967391"/>
             </a:xfrm>
+            <a:grpFill/>
           </p:grpSpPr>
           <p:sp>
             <p:nvSpPr>
@@ -5499,9 +5438,7 @@
               <a:prstGeom prst="ellipse">
                 <a:avLst/>
               </a:prstGeom>
-              <a:solidFill>
-                <a:schemeClr val="bg1"/>
-              </a:solidFill>
+              <a:grpFill/>
               <a:ln>
                 <a:solidFill>
                   <a:schemeClr val="tx1"/>
@@ -5555,7 +5492,7 @@
               <a:graphicData uri="http://schemas.openxmlformats.org/presentationml/2006/ole">
                 <mc:AlternateContent xmlns:mc="http://schemas.openxmlformats.org/markup-compatibility/2006">
                   <mc:Choice xmlns:v="urn:schemas-microsoft-com:vml" Requires="v">
-                    <p:oleObj spid="_x0000_s2091" name="Equation" r:id="rId11" imgW="164880" imgH="228600" progId="Equation.DSMT4">
+                    <p:oleObj spid="_x0000_s2100" name="Equation" r:id="rId11" imgW="164880" imgH="228600" progId="Equation.DSMT4">
                       <p:embed/>
                     </p:oleObj>
                   </mc:Choice>
@@ -5608,6 +5545,7 @@
             <a:prstGeom prst="straightConnector1">
               <a:avLst/>
             </a:prstGeom>
+            <a:grpFill/>
             <a:ln w="38100">
               <a:solidFill>
                 <a:schemeClr val="tx1"/>
@@ -5648,6 +5586,7 @@
             <a:prstGeom prst="straightConnector1">
               <a:avLst/>
             </a:prstGeom>
+            <a:grpFill/>
             <a:ln w="38100">
               <a:solidFill>
                 <a:schemeClr val="tx1"/>
@@ -5685,7 +5624,7 @@
             <a:prstGeom prst="rect">
               <a:avLst/>
             </a:prstGeom>
-            <a:noFill/>
+            <a:grpFill/>
           </p:spPr>
           <p:txBody>
             <a:bodyPr wrap="square" rtlCol="0">
@@ -5715,6 +5654,9 @@
             <a:chOff x="6067726" y="1582522"/>
             <a:chExt cx="2014227" cy="3596647"/>
           </a:xfrm>
+          <a:solidFill>
+            <a:schemeClr val="bg1"/>
+          </a:solidFill>
         </p:grpSpPr>
         <p:grpSp>
           <p:nvGrpSpPr>
@@ -5729,6 +5671,7 @@
               <a:chOff x="1475656" y="1309481"/>
               <a:chExt cx="967391" cy="967391"/>
             </a:xfrm>
+            <a:grpFill/>
           </p:grpSpPr>
           <p:sp>
             <p:nvSpPr>
@@ -5744,9 +5687,7 @@
               <a:prstGeom prst="ellipse">
                 <a:avLst/>
               </a:prstGeom>
-              <a:solidFill>
-                <a:schemeClr val="bg1"/>
-              </a:solidFill>
+              <a:grpFill/>
               <a:ln>
                 <a:solidFill>
                   <a:schemeClr val="tx1"/>
@@ -5800,7 +5741,7 @@
               <a:graphicData uri="http://schemas.openxmlformats.org/presentationml/2006/ole">
                 <mc:AlternateContent xmlns:mc="http://schemas.openxmlformats.org/markup-compatibility/2006">
                   <mc:Choice xmlns:v="urn:schemas-microsoft-com:vml" Requires="v">
-                    <p:oleObj spid="_x0000_s2092" name="Equation" r:id="rId12" imgW="164880" imgH="228600" progId="Equation.DSMT4">
+                    <p:oleObj spid="_x0000_s2101" name="Equation" r:id="rId12" imgW="164880" imgH="228600" progId="Equation.DSMT4">
                       <p:embed/>
                     </p:oleObj>
                   </mc:Choice>
@@ -5849,6 +5790,7 @@
               <a:chOff x="4391544" y="1309481"/>
               <a:chExt cx="967391" cy="967391"/>
             </a:xfrm>
+            <a:grpFill/>
           </p:grpSpPr>
           <p:sp>
             <p:nvSpPr>
@@ -5864,9 +5806,7 @@
               <a:prstGeom prst="ellipse">
                 <a:avLst/>
               </a:prstGeom>
-              <a:solidFill>
-                <a:schemeClr val="bg1"/>
-              </a:solidFill>
+              <a:grpFill/>
               <a:ln>
                 <a:solidFill>
                   <a:schemeClr val="tx1"/>
@@ -5920,7 +5860,7 @@
               <a:graphicData uri="http://schemas.openxmlformats.org/presentationml/2006/ole">
                 <mc:AlternateContent xmlns:mc="http://schemas.openxmlformats.org/markup-compatibility/2006">
                   <mc:Choice xmlns:v="urn:schemas-microsoft-com:vml" Requires="v">
-                    <p:oleObj spid="_x0000_s2093" name="Equation" r:id="rId13" imgW="152280" imgH="228600" progId="Equation.DSMT4">
+                    <p:oleObj spid="_x0000_s2102" name="Equation" r:id="rId13" imgW="152280" imgH="228600" progId="Equation.DSMT4">
                       <p:embed/>
                     </p:oleObj>
                   </mc:Choice>
@@ -5969,6 +5909,7 @@
               <a:chOff x="3309240" y="3511128"/>
               <a:chExt cx="967391" cy="967391"/>
             </a:xfrm>
+            <a:grpFill/>
           </p:grpSpPr>
           <p:sp>
             <p:nvSpPr>
@@ -5984,9 +5925,7 @@
               <a:prstGeom prst="ellipse">
                 <a:avLst/>
               </a:prstGeom>
-              <a:solidFill>
-                <a:schemeClr val="bg1"/>
-              </a:solidFill>
+              <a:grpFill/>
               <a:ln>
                 <a:solidFill>
                   <a:schemeClr val="tx1"/>
@@ -6040,7 +5979,7 @@
               <a:graphicData uri="http://schemas.openxmlformats.org/presentationml/2006/ole">
                 <mc:AlternateContent xmlns:mc="http://schemas.openxmlformats.org/markup-compatibility/2006">
                   <mc:Choice xmlns:v="urn:schemas-microsoft-com:vml" Requires="v">
-                    <p:oleObj spid="_x0000_s2094" name="Equation" r:id="rId14" imgW="164880" imgH="228600" progId="Equation.DSMT4">
+                    <p:oleObj spid="_x0000_s2103" name="Equation" r:id="rId14" imgW="164880" imgH="228600" progId="Equation.DSMT4">
                       <p:embed/>
                     </p:oleObj>
                   </mc:Choice>
@@ -6090,6 +6029,7 @@
             <a:prstGeom prst="straightConnector1">
               <a:avLst/>
             </a:prstGeom>
+            <a:grpFill/>
             <a:ln w="38100">
               <a:solidFill>
                 <a:schemeClr val="tx1"/>
@@ -6130,6 +6070,7 @@
             <a:prstGeom prst="straightConnector1">
               <a:avLst/>
             </a:prstGeom>
+            <a:grpFill/>
             <a:ln w="38100">
               <a:solidFill>
                 <a:schemeClr val="tx1"/>
@@ -6167,7 +6108,7 @@
             <a:prstGeom prst="rect">
               <a:avLst/>
             </a:prstGeom>
-            <a:noFill/>
+            <a:grpFill/>
           </p:spPr>
           <p:txBody>
             <a:bodyPr wrap="square" rtlCol="0">
@@ -6298,7 +6239,7 @@
             <a:graphicData uri="http://schemas.openxmlformats.org/presentationml/2006/ole">
               <mc:AlternateContent xmlns:mc="http://schemas.openxmlformats.org/markup-compatibility/2006">
                 <mc:Choice xmlns:v="urn:schemas-microsoft-com:vml" Requires="v">
-                  <p:oleObj spid="_x0000_s3124" name="Equation" r:id="rId3" imgW="164880" imgH="228600" progId="Equation.DSMT4">
+                  <p:oleObj spid="_x0000_s3134" name="Equation" r:id="rId3" imgW="164880" imgH="228600" progId="Equation.DSMT4">
                     <p:embed/>
                   </p:oleObj>
                 </mc:Choice>
@@ -6418,7 +6359,7 @@
             <a:graphicData uri="http://schemas.openxmlformats.org/presentationml/2006/ole">
               <mc:AlternateContent xmlns:mc="http://schemas.openxmlformats.org/markup-compatibility/2006">
                 <mc:Choice xmlns:v="urn:schemas-microsoft-com:vml" Requires="v">
-                  <p:oleObj spid="_x0000_s3125" name="Equation" r:id="rId5" imgW="152280" imgH="228600" progId="Equation.DSMT4">
+                  <p:oleObj spid="_x0000_s3135" name="Equation" r:id="rId5" imgW="152280" imgH="228600" progId="Equation.DSMT4">
                     <p:embed/>
                   </p:oleObj>
                 </mc:Choice>
@@ -6538,7 +6479,7 @@
             <a:graphicData uri="http://schemas.openxmlformats.org/presentationml/2006/ole">
               <mc:AlternateContent xmlns:mc="http://schemas.openxmlformats.org/markup-compatibility/2006">
                 <mc:Choice xmlns:v="urn:schemas-microsoft-com:vml" Requires="v">
-                  <p:oleObj spid="_x0000_s3126" name="Equation" r:id="rId7" imgW="139680" imgH="164880" progId="Equation.DSMT4">
+                  <p:oleObj spid="_x0000_s3136" name="Equation" r:id="rId7" imgW="139680" imgH="164880" progId="Equation.DSMT4">
                     <p:embed/>
                   </p:oleObj>
                 </mc:Choice>
@@ -6768,7 +6709,7 @@
             <a:graphicData uri="http://schemas.openxmlformats.org/presentationml/2006/ole">
               <mc:AlternateContent xmlns:mc="http://schemas.openxmlformats.org/markup-compatibility/2006">
                 <mc:Choice xmlns:v="urn:schemas-microsoft-com:vml" Requires="v">
-                  <p:oleObj spid="_x0000_s3127" name="Equation" r:id="rId9" imgW="164880" imgH="228600" progId="Equation.DSMT4">
+                  <p:oleObj spid="_x0000_s3137" name="Equation" r:id="rId9" imgW="164880" imgH="228600" progId="Equation.DSMT4">
                     <p:embed/>
                   </p:oleObj>
                 </mc:Choice>
@@ -6888,7 +6829,7 @@
             <a:graphicData uri="http://schemas.openxmlformats.org/presentationml/2006/ole">
               <mc:AlternateContent xmlns:mc="http://schemas.openxmlformats.org/markup-compatibility/2006">
                 <mc:Choice xmlns:v="urn:schemas-microsoft-com:vml" Requires="v">
-                  <p:oleObj spid="_x0000_s3128" name="Equation" r:id="rId11" imgW="164880" imgH="228600" progId="Equation.DSMT4">
+                  <p:oleObj spid="_x0000_s3138" name="Equation" r:id="rId11" imgW="164880" imgH="228600" progId="Equation.DSMT4">
                     <p:embed/>
                   </p:oleObj>
                 </mc:Choice>
@@ -7228,7 +7169,7 @@
               <a:graphicData uri="http://schemas.openxmlformats.org/presentationml/2006/ole">
                 <mc:AlternateContent xmlns:mc="http://schemas.openxmlformats.org/markup-compatibility/2006">
                   <mc:Choice xmlns:v="urn:schemas-microsoft-com:vml" Requires="v">
-                    <p:oleObj spid="_x0000_s3129" name="Equation" r:id="rId13" imgW="164880" imgH="228600" progId="Equation.DSMT4">
+                    <p:oleObj spid="_x0000_s3139" name="Equation" r:id="rId13" imgW="164880" imgH="228600" progId="Equation.DSMT4">
                       <p:embed/>
                     </p:oleObj>
                   </mc:Choice>
@@ -7348,7 +7289,7 @@
               <a:graphicData uri="http://schemas.openxmlformats.org/presentationml/2006/ole">
                 <mc:AlternateContent xmlns:mc="http://schemas.openxmlformats.org/markup-compatibility/2006">
                   <mc:Choice xmlns:v="urn:schemas-microsoft-com:vml" Requires="v">
-                    <p:oleObj spid="_x0000_s3130" name="Equation" r:id="rId14" imgW="152280" imgH="228600" progId="Equation.DSMT4">
+                    <p:oleObj spid="_x0000_s3140" name="Equation" r:id="rId14" imgW="152280" imgH="228600" progId="Equation.DSMT4">
                       <p:embed/>
                     </p:oleObj>
                   </mc:Choice>
@@ -7468,7 +7409,7 @@
               <a:graphicData uri="http://schemas.openxmlformats.org/presentationml/2006/ole">
                 <mc:AlternateContent xmlns:mc="http://schemas.openxmlformats.org/markup-compatibility/2006">
                   <mc:Choice xmlns:v="urn:schemas-microsoft-com:vml" Requires="v">
-                    <p:oleObj spid="_x0000_s3131" name="Equation" r:id="rId15" imgW="139680" imgH="164880" progId="Equation.DSMT4">
+                    <p:oleObj spid="_x0000_s3141" name="Equation" r:id="rId15" imgW="139680" imgH="164880" progId="Equation.DSMT4">
                       <p:embed/>
                     </p:oleObj>
                   </mc:Choice>
@@ -7668,7 +7609,7 @@
               <a:graphicData uri="http://schemas.openxmlformats.org/presentationml/2006/ole">
                 <mc:AlternateContent xmlns:mc="http://schemas.openxmlformats.org/markup-compatibility/2006">
                   <mc:Choice xmlns:v="urn:schemas-microsoft-com:vml" Requires="v">
-                    <p:oleObj spid="_x0000_s3132" name="Equation" r:id="rId17" imgW="164880" imgH="228600" progId="Equation.DSMT4">
+                    <p:oleObj spid="_x0000_s3142" name="Equation" r:id="rId17" imgW="164880" imgH="228600" progId="Equation.DSMT4">
                       <p:embed/>
                     </p:oleObj>
                   </mc:Choice>
@@ -7788,7 +7729,7 @@
               <a:graphicData uri="http://schemas.openxmlformats.org/presentationml/2006/ole">
                 <mc:AlternateContent xmlns:mc="http://schemas.openxmlformats.org/markup-compatibility/2006">
                   <mc:Choice xmlns:v="urn:schemas-microsoft-com:vml" Requires="v">
-                    <p:oleObj spid="_x0000_s3133" name="Equation" r:id="rId19" imgW="164880" imgH="228600" progId="Equation.DSMT4">
+                    <p:oleObj spid="_x0000_s3143" name="Equation" r:id="rId19" imgW="164880" imgH="228600" progId="Equation.DSMT4">
                       <p:embed/>
                     </p:oleObj>
                   </mc:Choice>
